--- a/video_files/Evaluating Functions From Graphs/Evaluating Functions From Graphs.pptx
+++ b/video_files/Evaluating Functions From Graphs/Evaluating Functions From Graphs.pptx
@@ -111,6 +111,11 @@
       </a:defRPr>
     </a:lvl9pPr>
   </p:defaultTextStyle>
+  <p:extLst>
+    <p:ext uri="{EFAFB233-063F-42B5-8137-9DF3F51BA10A}">
+      <p15:sldGuideLst xmlns:p15="http://schemas.microsoft.com/office/powerpoint/2012/main"/>
+    </p:ext>
+  </p:extLst>
 </p:presentation>
 </file>
 
@@ -680,6 +685,14 @@
   <p:clrMapOvr>
     <a:masterClrMapping/>
   </p:clrMapOvr>
+  <mc:AlternateContent xmlns:mc="http://schemas.openxmlformats.org/markup-compatibility/2006">
+    <mc:Choice xmlns:p14="http://schemas.microsoft.com/office/powerpoint/2010/main" Requires="p14">
+      <p:transition spd="slow" p14:dur="2000" advClick="0" advTm="10000"/>
+    </mc:Choice>
+    <mc:Fallback>
+      <p:transition spd="slow" advClick="0" advTm="10000"/>
+    </mc:Fallback>
+  </mc:AlternateContent>
 </p:sldLayout>
 </file>
 
@@ -878,6 +891,14 @@
   <p:clrMapOvr>
     <a:masterClrMapping/>
   </p:clrMapOvr>
+  <mc:AlternateContent xmlns:mc="http://schemas.openxmlformats.org/markup-compatibility/2006">
+    <mc:Choice xmlns:p14="http://schemas.microsoft.com/office/powerpoint/2010/main" Requires="p14">
+      <p:transition spd="slow" p14:dur="2000" advClick="0" advTm="10000"/>
+    </mc:Choice>
+    <mc:Fallback>
+      <p:transition spd="slow" advClick="0" advTm="10000"/>
+    </mc:Fallback>
+  </mc:AlternateContent>
 </p:sldLayout>
 </file>
 
@@ -1086,6 +1107,14 @@
   <p:clrMapOvr>
     <a:masterClrMapping/>
   </p:clrMapOvr>
+  <mc:AlternateContent xmlns:mc="http://schemas.openxmlformats.org/markup-compatibility/2006">
+    <mc:Choice xmlns:p14="http://schemas.microsoft.com/office/powerpoint/2010/main" Requires="p14">
+      <p:transition spd="slow" p14:dur="2000" advClick="0" advTm="10000"/>
+    </mc:Choice>
+    <mc:Fallback>
+      <p:transition spd="slow" advClick="0" advTm="10000"/>
+    </mc:Fallback>
+  </mc:AlternateContent>
 </p:sldLayout>
 </file>
 
@@ -1284,6 +1313,14 @@
   <p:clrMapOvr>
     <a:masterClrMapping/>
   </p:clrMapOvr>
+  <mc:AlternateContent xmlns:mc="http://schemas.openxmlformats.org/markup-compatibility/2006">
+    <mc:Choice xmlns:p14="http://schemas.microsoft.com/office/powerpoint/2010/main" Requires="p14">
+      <p:transition spd="slow" p14:dur="2000" advClick="0" advTm="10000"/>
+    </mc:Choice>
+    <mc:Fallback>
+      <p:transition spd="slow" advClick="0" advTm="10000"/>
+    </mc:Fallback>
+  </mc:AlternateContent>
 </p:sldLayout>
 </file>
 
@@ -1559,6 +1596,14 @@
   <p:clrMapOvr>
     <a:masterClrMapping/>
   </p:clrMapOvr>
+  <mc:AlternateContent xmlns:mc="http://schemas.openxmlformats.org/markup-compatibility/2006">
+    <mc:Choice xmlns:p14="http://schemas.microsoft.com/office/powerpoint/2010/main" Requires="p14">
+      <p:transition spd="slow" p14:dur="2000" advClick="0" advTm="10000"/>
+    </mc:Choice>
+    <mc:Fallback>
+      <p:transition spd="slow" advClick="0" advTm="10000"/>
+    </mc:Fallback>
+  </mc:AlternateContent>
 </p:sldLayout>
 </file>
 
@@ -1824,6 +1869,14 @@
   <p:clrMapOvr>
     <a:masterClrMapping/>
   </p:clrMapOvr>
+  <mc:AlternateContent xmlns:mc="http://schemas.openxmlformats.org/markup-compatibility/2006">
+    <mc:Choice xmlns:p14="http://schemas.microsoft.com/office/powerpoint/2010/main" Requires="p14">
+      <p:transition spd="slow" p14:dur="2000" advClick="0" advTm="10000"/>
+    </mc:Choice>
+    <mc:Fallback>
+      <p:transition spd="slow" advClick="0" advTm="10000"/>
+    </mc:Fallback>
+  </mc:AlternateContent>
 </p:sldLayout>
 </file>
 
@@ -2236,6 +2289,14 @@
   <p:clrMapOvr>
     <a:masterClrMapping/>
   </p:clrMapOvr>
+  <mc:AlternateContent xmlns:mc="http://schemas.openxmlformats.org/markup-compatibility/2006">
+    <mc:Choice xmlns:p14="http://schemas.microsoft.com/office/powerpoint/2010/main" Requires="p14">
+      <p:transition spd="slow" p14:dur="2000" advClick="0" advTm="10000"/>
+    </mc:Choice>
+    <mc:Fallback>
+      <p:transition spd="slow" advClick="0" advTm="10000"/>
+    </mc:Fallback>
+  </mc:AlternateContent>
 </p:sldLayout>
 </file>
 
@@ -2377,6 +2438,14 @@
   <p:clrMapOvr>
     <a:masterClrMapping/>
   </p:clrMapOvr>
+  <mc:AlternateContent xmlns:mc="http://schemas.openxmlformats.org/markup-compatibility/2006">
+    <mc:Choice xmlns:p14="http://schemas.microsoft.com/office/powerpoint/2010/main" Requires="p14">
+      <p:transition spd="slow" p14:dur="2000" advClick="0" advTm="10000"/>
+    </mc:Choice>
+    <mc:Fallback>
+      <p:transition spd="slow" advClick="0" advTm="10000"/>
+    </mc:Fallback>
+  </mc:AlternateContent>
 </p:sldLayout>
 </file>
 
@@ -2490,6 +2559,14 @@
   <p:clrMapOvr>
     <a:masterClrMapping/>
   </p:clrMapOvr>
+  <mc:AlternateContent xmlns:mc="http://schemas.openxmlformats.org/markup-compatibility/2006">
+    <mc:Choice xmlns:p14="http://schemas.microsoft.com/office/powerpoint/2010/main" Requires="p14">
+      <p:transition spd="slow" p14:dur="2000" advClick="0" advTm="10000"/>
+    </mc:Choice>
+    <mc:Fallback>
+      <p:transition spd="slow" advClick="0" advTm="10000"/>
+    </mc:Fallback>
+  </mc:AlternateContent>
 </p:sldLayout>
 </file>
 
@@ -2801,6 +2878,14 @@
   <p:clrMapOvr>
     <a:masterClrMapping/>
   </p:clrMapOvr>
+  <mc:AlternateContent xmlns:mc="http://schemas.openxmlformats.org/markup-compatibility/2006">
+    <mc:Choice xmlns:p14="http://schemas.microsoft.com/office/powerpoint/2010/main" Requires="p14">
+      <p:transition spd="slow" p14:dur="2000" advClick="0" advTm="10000"/>
+    </mc:Choice>
+    <mc:Fallback>
+      <p:transition spd="slow" advClick="0" advTm="10000"/>
+    </mc:Fallback>
+  </mc:AlternateContent>
 </p:sldLayout>
 </file>
 
@@ -3089,6 +3174,14 @@
   <p:clrMapOvr>
     <a:masterClrMapping/>
   </p:clrMapOvr>
+  <mc:AlternateContent xmlns:mc="http://schemas.openxmlformats.org/markup-compatibility/2006">
+    <mc:Choice xmlns:p14="http://schemas.microsoft.com/office/powerpoint/2010/main" Requires="p14">
+      <p:transition spd="slow" p14:dur="2000" advClick="0" advTm="10000"/>
+    </mc:Choice>
+    <mc:Fallback>
+      <p:transition spd="slow" advClick="0" advTm="10000"/>
+    </mc:Fallback>
+  </mc:AlternateContent>
 </p:sldLayout>
 </file>
 
@@ -3377,6 +3470,14 @@
     <p:sldLayoutId id="2147483658" r:id="rId10"/>
     <p:sldLayoutId id="2147483659" r:id="rId11"/>
   </p:sldLayoutIdLst>
+  <mc:AlternateContent xmlns:mc="http://schemas.openxmlformats.org/markup-compatibility/2006">
+    <mc:Choice xmlns:p14="http://schemas.microsoft.com/office/powerpoint/2010/main" Requires="p14">
+      <p:transition spd="slow" p14:dur="2000" advClick="0" advTm="10000"/>
+    </mc:Choice>
+    <mc:Fallback>
+      <p:transition spd="slow" advClick="0" advTm="10000"/>
+    </mc:Fallback>
+  </mc:AlternateContent>
   <p:txStyles>
     <p:titleStyle>
       <a:lvl1pPr algn="l" defTabSz="914400" rtl="0" eaLnBrk="1" latinLnBrk="0" hangingPunct="1">
@@ -3743,6 +3844,14 @@
   <p:clrMapOvr>
     <a:masterClrMapping/>
   </p:clrMapOvr>
+  <mc:AlternateContent xmlns:mc="http://schemas.openxmlformats.org/markup-compatibility/2006">
+    <mc:Choice xmlns:p14="http://schemas.microsoft.com/office/powerpoint/2010/main" Requires="p14">
+      <p:transition spd="slow" p14:dur="2000" advClick="0" advTm="10000"/>
+    </mc:Choice>
+    <mc:Fallback>
+      <p:transition spd="slow" advClick="0" advTm="10000"/>
+    </mc:Fallback>
+  </mc:AlternateContent>
 </p:sld>
 </file>
 
@@ -3854,6 +3963,216 @@
           </a:p>
         </p:txBody>
       </p:sp>
+      <p:cxnSp>
+        <p:nvCxnSpPr>
+          <p:cNvPr id="4" name="Straight Arrow Connector 3">
+            <a:extLst>
+              <a:ext uri="{FF2B5EF4-FFF2-40B4-BE49-F238E27FC236}">
+                <a16:creationId xmlns:a16="http://schemas.microsoft.com/office/drawing/2014/main" id="{210BD688-B831-274F-1252-8287979A49AE}"/>
+              </a:ext>
+            </a:extLst>
+          </p:cNvPr>
+          <p:cNvCxnSpPr/>
+          <p:nvPr/>
+        </p:nvCxnSpPr>
+        <p:spPr>
+          <a:xfrm>
+            <a:off x="4437529" y="5647765"/>
+            <a:ext cx="6490447" cy="0"/>
+          </a:xfrm>
+          <a:prstGeom prst="straightConnector1">
+            <a:avLst/>
+          </a:prstGeom>
+          <a:ln w="76200">
+            <a:headEnd type="triangle"/>
+            <a:tailEnd type="triangle"/>
+          </a:ln>
+        </p:spPr>
+        <p:style>
+          <a:lnRef idx="2">
+            <a:schemeClr val="accent5"/>
+          </a:lnRef>
+          <a:fillRef idx="0">
+            <a:schemeClr val="accent5"/>
+          </a:fillRef>
+          <a:effectRef idx="1">
+            <a:schemeClr val="accent5"/>
+          </a:effectRef>
+          <a:fontRef idx="minor">
+            <a:schemeClr val="tx1"/>
+          </a:fontRef>
+        </p:style>
+      </p:cxnSp>
+      <p:cxnSp>
+        <p:nvCxnSpPr>
+          <p:cNvPr id="7" name="Straight Arrow Connector 6">
+            <a:extLst>
+              <a:ext uri="{FF2B5EF4-FFF2-40B4-BE49-F238E27FC236}">
+                <a16:creationId xmlns:a16="http://schemas.microsoft.com/office/drawing/2014/main" id="{33891723-6B9F-856D-DFD3-21F807AAC10E}"/>
+              </a:ext>
+            </a:extLst>
+          </p:cNvPr>
+          <p:cNvCxnSpPr>
+            <a:cxnSpLocks/>
+          </p:cNvCxnSpPr>
+          <p:nvPr/>
+        </p:nvCxnSpPr>
+        <p:spPr>
+          <a:xfrm>
+            <a:off x="11501718" y="2447518"/>
+            <a:ext cx="0" cy="3107551"/>
+          </a:xfrm>
+          <a:prstGeom prst="straightConnector1">
+            <a:avLst/>
+          </a:prstGeom>
+          <a:ln w="76200">
+            <a:headEnd type="triangle"/>
+            <a:tailEnd type="triangle"/>
+          </a:ln>
+        </p:spPr>
+        <p:style>
+          <a:lnRef idx="2">
+            <a:schemeClr val="accent5"/>
+          </a:lnRef>
+          <a:fillRef idx="0">
+            <a:schemeClr val="accent5"/>
+          </a:fillRef>
+          <a:effectRef idx="1">
+            <a:schemeClr val="accent5"/>
+          </a:effectRef>
+          <a:fontRef idx="minor">
+            <a:schemeClr val="tx1"/>
+          </a:fontRef>
+        </p:style>
+      </p:cxnSp>
+      <p:cxnSp>
+        <p:nvCxnSpPr>
+          <p:cNvPr id="11" name="Straight Arrow Connector 10">
+            <a:extLst>
+              <a:ext uri="{FF2B5EF4-FFF2-40B4-BE49-F238E27FC236}">
+                <a16:creationId xmlns:a16="http://schemas.microsoft.com/office/drawing/2014/main" id="{9CE56799-19E7-8B7F-64AA-0E35C05E91FB}"/>
+              </a:ext>
+            </a:extLst>
+          </p:cNvPr>
+          <p:cNvCxnSpPr/>
+          <p:nvPr/>
+        </p:nvCxnSpPr>
+        <p:spPr>
+          <a:xfrm flipV="1">
+            <a:off x="6651812" y="4876800"/>
+            <a:ext cx="0" cy="412376"/>
+          </a:xfrm>
+          <a:prstGeom prst="straightConnector1">
+            <a:avLst/>
+          </a:prstGeom>
+          <a:ln w="38100">
+            <a:headEnd type="none" w="med" len="med"/>
+            <a:tailEnd type="triangle" w="med" len="med"/>
+          </a:ln>
+        </p:spPr>
+        <p:style>
+          <a:lnRef idx="2">
+            <a:schemeClr val="accent2"/>
+          </a:lnRef>
+          <a:fillRef idx="0">
+            <a:schemeClr val="accent2"/>
+          </a:fillRef>
+          <a:effectRef idx="1">
+            <a:schemeClr val="accent2"/>
+          </a:effectRef>
+          <a:fontRef idx="minor">
+            <a:schemeClr val="tx1"/>
+          </a:fontRef>
+        </p:style>
+      </p:cxnSp>
+      <p:sp>
+        <p:nvSpPr>
+          <p:cNvPr id="12" name="Oval 11">
+            <a:extLst>
+              <a:ext uri="{FF2B5EF4-FFF2-40B4-BE49-F238E27FC236}">
+                <a16:creationId xmlns:a16="http://schemas.microsoft.com/office/drawing/2014/main" id="{7A29F3D4-E7DF-AD6B-712E-58A1C88B6AF3}"/>
+              </a:ext>
+            </a:extLst>
+          </p:cNvPr>
+          <p:cNvSpPr/>
+          <p:nvPr/>
+        </p:nvSpPr>
+        <p:spPr>
+          <a:xfrm>
+            <a:off x="6615951" y="4868730"/>
+            <a:ext cx="71715" cy="45719"/>
+          </a:xfrm>
+          <a:prstGeom prst="ellipse">
+            <a:avLst/>
+          </a:prstGeom>
+        </p:spPr>
+        <p:style>
+          <a:lnRef idx="2">
+            <a:schemeClr val="accent2">
+              <a:shade val="15000"/>
+            </a:schemeClr>
+          </a:lnRef>
+          <a:fillRef idx="1">
+            <a:schemeClr val="accent2"/>
+          </a:fillRef>
+          <a:effectRef idx="0">
+            <a:schemeClr val="accent2"/>
+          </a:effectRef>
+          <a:fontRef idx="minor">
+            <a:schemeClr val="lt1"/>
+          </a:fontRef>
+        </p:style>
+        <p:txBody>
+          <a:bodyPr rtlCol="0" anchor="ctr"/>
+          <a:lstStyle/>
+          <a:p>
+            <a:pPr algn="ctr"/>
+            <a:endParaRPr lang="en-US"/>
+          </a:p>
+        </p:txBody>
+      </p:sp>
+      <p:cxnSp>
+        <p:nvCxnSpPr>
+          <p:cNvPr id="13" name="Straight Arrow Connector 12">
+            <a:extLst>
+              <a:ext uri="{FF2B5EF4-FFF2-40B4-BE49-F238E27FC236}">
+                <a16:creationId xmlns:a16="http://schemas.microsoft.com/office/drawing/2014/main" id="{14F60AAA-E2BB-848B-A91D-90660F135087}"/>
+              </a:ext>
+            </a:extLst>
+          </p:cNvPr>
+          <p:cNvCxnSpPr>
+            <a:cxnSpLocks/>
+          </p:cNvCxnSpPr>
+          <p:nvPr/>
+        </p:nvCxnSpPr>
+        <p:spPr>
+          <a:xfrm>
+            <a:off x="6687666" y="4891589"/>
+            <a:ext cx="4151784" cy="0"/>
+          </a:xfrm>
+          <a:prstGeom prst="straightConnector1">
+            <a:avLst/>
+          </a:prstGeom>
+          <a:ln w="38100">
+            <a:headEnd type="none" w="med" len="med"/>
+            <a:tailEnd type="triangle" w="med" len="med"/>
+          </a:ln>
+        </p:spPr>
+        <p:style>
+          <a:lnRef idx="2">
+            <a:schemeClr val="accent2"/>
+          </a:lnRef>
+          <a:fillRef idx="0">
+            <a:schemeClr val="accent2"/>
+          </a:fillRef>
+          <a:effectRef idx="1">
+            <a:schemeClr val="accent2"/>
+          </a:effectRef>
+          <a:fontRef idx="minor">
+            <a:schemeClr val="tx1"/>
+          </a:fontRef>
+        </p:style>
+      </p:cxnSp>
     </p:spTree>
     <p:extLst>
       <p:ext uri="{BB962C8B-B14F-4D97-AF65-F5344CB8AC3E}">
@@ -3864,6 +4183,347 @@
   <p:clrMapOvr>
     <a:masterClrMapping/>
   </p:clrMapOvr>
+  <mc:AlternateContent xmlns:mc="http://schemas.openxmlformats.org/markup-compatibility/2006">
+    <mc:Choice xmlns:p14="http://schemas.microsoft.com/office/powerpoint/2010/main" Requires="p14">
+      <p:transition spd="slow" p14:dur="2000" advClick="0" advTm="60000"/>
+    </mc:Choice>
+    <mc:Fallback>
+      <p:transition spd="slow" advClick="0" advTm="60000"/>
+    </mc:Fallback>
+  </mc:AlternateContent>
+  <p:timing>
+    <p:tnLst>
+      <p:par>
+        <p:cTn id="1" dur="indefinite" restart="never" nodeType="tmRoot">
+          <p:childTnLst>
+            <p:seq concurrent="1" nextAc="seek">
+              <p:cTn id="2" dur="indefinite" nodeType="mainSeq">
+                <p:childTnLst>
+                  <p:par>
+                    <p:cTn id="3" fill="hold">
+                      <p:stCondLst>
+                        <p:cond delay="indefinite"/>
+                        <p:cond evt="onBegin" delay="0">
+                          <p:tn val="2"/>
+                        </p:cond>
+                      </p:stCondLst>
+                      <p:childTnLst>
+                        <p:par>
+                          <p:cTn id="4" fill="hold">
+                            <p:stCondLst>
+                              <p:cond delay="0"/>
+                            </p:stCondLst>
+                            <p:childTnLst>
+                              <p:par>
+                                <p:cTn id="5" presetID="1" presetClass="entr" presetSubtype="0" fill="hold" nodeType="afterEffect">
+                                  <p:stCondLst>
+                                    <p:cond delay="10000"/>
+                                  </p:stCondLst>
+                                  <p:childTnLst>
+                                    <p:set>
+                                      <p:cBhvr>
+                                        <p:cTn id="6" dur="1" fill="hold">
+                                          <p:stCondLst>
+                                            <p:cond delay="0"/>
+                                          </p:stCondLst>
+                                        </p:cTn>
+                                        <p:tgtEl>
+                                          <p:spTgt spid="4"/>
+                                        </p:tgtEl>
+                                        <p:attrNameLst>
+                                          <p:attrName>style.visibility</p:attrName>
+                                        </p:attrNameLst>
+                                      </p:cBhvr>
+                                      <p:to>
+                                        <p:strVal val="visible"/>
+                                      </p:to>
+                                    </p:set>
+                                  </p:childTnLst>
+                                </p:cTn>
+                              </p:par>
+                            </p:childTnLst>
+                          </p:cTn>
+                        </p:par>
+                        <p:par>
+                          <p:cTn id="7" fill="hold">
+                            <p:stCondLst>
+                              <p:cond delay="10000"/>
+                            </p:stCondLst>
+                            <p:childTnLst>
+                              <p:par>
+                                <p:cTn id="8" presetID="1" presetClass="exit" presetSubtype="0" fill="hold" nodeType="afterEffect">
+                                  <p:stCondLst>
+                                    <p:cond delay="10000"/>
+                                  </p:stCondLst>
+                                  <p:childTnLst>
+                                    <p:set>
+                                      <p:cBhvr>
+                                        <p:cTn id="9" dur="1" fill="hold">
+                                          <p:stCondLst>
+                                            <p:cond delay="0"/>
+                                          </p:stCondLst>
+                                        </p:cTn>
+                                        <p:tgtEl>
+                                          <p:spTgt spid="4"/>
+                                        </p:tgtEl>
+                                        <p:attrNameLst>
+                                          <p:attrName>style.visibility</p:attrName>
+                                        </p:attrNameLst>
+                                      </p:cBhvr>
+                                      <p:to>
+                                        <p:strVal val="hidden"/>
+                                      </p:to>
+                                    </p:set>
+                                  </p:childTnLst>
+                                </p:cTn>
+                              </p:par>
+                            </p:childTnLst>
+                          </p:cTn>
+                        </p:par>
+                        <p:par>
+                          <p:cTn id="10" fill="hold">
+                            <p:stCondLst>
+                              <p:cond delay="20000"/>
+                            </p:stCondLst>
+                            <p:childTnLst>
+                              <p:par>
+                                <p:cTn id="11" presetID="1" presetClass="entr" presetSubtype="0" fill="hold" nodeType="afterEffect">
+                                  <p:stCondLst>
+                                    <p:cond delay="0"/>
+                                  </p:stCondLst>
+                                  <p:childTnLst>
+                                    <p:set>
+                                      <p:cBhvr>
+                                        <p:cTn id="12" dur="1" fill="hold">
+                                          <p:stCondLst>
+                                            <p:cond delay="0"/>
+                                          </p:stCondLst>
+                                        </p:cTn>
+                                        <p:tgtEl>
+                                          <p:spTgt spid="7"/>
+                                        </p:tgtEl>
+                                        <p:attrNameLst>
+                                          <p:attrName>style.visibility</p:attrName>
+                                        </p:attrNameLst>
+                                      </p:cBhvr>
+                                      <p:to>
+                                        <p:strVal val="visible"/>
+                                      </p:to>
+                                    </p:set>
+                                  </p:childTnLst>
+                                </p:cTn>
+                              </p:par>
+                            </p:childTnLst>
+                          </p:cTn>
+                        </p:par>
+                        <p:par>
+                          <p:cTn id="13" fill="hold">
+                            <p:stCondLst>
+                              <p:cond delay="20000"/>
+                            </p:stCondLst>
+                            <p:childTnLst>
+                              <p:par>
+                                <p:cTn id="14" presetID="1" presetClass="exit" presetSubtype="0" fill="hold" nodeType="afterEffect">
+                                  <p:stCondLst>
+                                    <p:cond delay="10000"/>
+                                  </p:stCondLst>
+                                  <p:childTnLst>
+                                    <p:set>
+                                      <p:cBhvr>
+                                        <p:cTn id="15" dur="1" fill="hold">
+                                          <p:stCondLst>
+                                            <p:cond delay="0"/>
+                                          </p:stCondLst>
+                                        </p:cTn>
+                                        <p:tgtEl>
+                                          <p:spTgt spid="7"/>
+                                        </p:tgtEl>
+                                        <p:attrNameLst>
+                                          <p:attrName>style.visibility</p:attrName>
+                                        </p:attrNameLst>
+                                      </p:cBhvr>
+                                      <p:to>
+                                        <p:strVal val="hidden"/>
+                                      </p:to>
+                                    </p:set>
+                                  </p:childTnLst>
+                                </p:cTn>
+                              </p:par>
+                            </p:childTnLst>
+                          </p:cTn>
+                        </p:par>
+                        <p:par>
+                          <p:cTn id="16" fill="hold">
+                            <p:stCondLst>
+                              <p:cond delay="30000"/>
+                            </p:stCondLst>
+                            <p:childTnLst>
+                              <p:par>
+                                <p:cTn id="17" presetID="1" presetClass="entr" presetSubtype="0" fill="hold" nodeType="afterEffect">
+                                  <p:stCondLst>
+                                    <p:cond delay="0"/>
+                                  </p:stCondLst>
+                                  <p:childTnLst>
+                                    <p:set>
+                                      <p:cBhvr>
+                                        <p:cTn id="18" dur="1" fill="hold">
+                                          <p:stCondLst>
+                                            <p:cond delay="0"/>
+                                          </p:stCondLst>
+                                        </p:cTn>
+                                        <p:tgtEl>
+                                          <p:spTgt spid="11"/>
+                                        </p:tgtEl>
+                                        <p:attrNameLst>
+                                          <p:attrName>style.visibility</p:attrName>
+                                        </p:attrNameLst>
+                                      </p:cBhvr>
+                                      <p:to>
+                                        <p:strVal val="visible"/>
+                                      </p:to>
+                                    </p:set>
+                                  </p:childTnLst>
+                                </p:cTn>
+                              </p:par>
+                            </p:childTnLst>
+                          </p:cTn>
+                        </p:par>
+                        <p:par>
+                          <p:cTn id="19" fill="hold">
+                            <p:stCondLst>
+                              <p:cond delay="30000"/>
+                            </p:stCondLst>
+                            <p:childTnLst>
+                              <p:par>
+                                <p:cTn id="20" presetID="1" presetClass="exit" presetSubtype="0" fill="hold" nodeType="afterEffect">
+                                  <p:stCondLst>
+                                    <p:cond delay="10000"/>
+                                  </p:stCondLst>
+                                  <p:childTnLst>
+                                    <p:set>
+                                      <p:cBhvr>
+                                        <p:cTn id="21" dur="1" fill="hold">
+                                          <p:stCondLst>
+                                            <p:cond delay="0"/>
+                                          </p:stCondLst>
+                                        </p:cTn>
+                                        <p:tgtEl>
+                                          <p:spTgt spid="11"/>
+                                        </p:tgtEl>
+                                        <p:attrNameLst>
+                                          <p:attrName>style.visibility</p:attrName>
+                                        </p:attrNameLst>
+                                      </p:cBhvr>
+                                      <p:to>
+                                        <p:strVal val="hidden"/>
+                                      </p:to>
+                                    </p:set>
+                                  </p:childTnLst>
+                                </p:cTn>
+                              </p:par>
+                            </p:childTnLst>
+                          </p:cTn>
+                        </p:par>
+                        <p:par>
+                          <p:cTn id="22" fill="hold">
+                            <p:stCondLst>
+                              <p:cond delay="40000"/>
+                            </p:stCondLst>
+                            <p:childTnLst>
+                              <p:par>
+                                <p:cTn id="23" presetID="1" presetClass="entr" presetSubtype="0" fill="hold" grpId="0" nodeType="afterEffect">
+                                  <p:stCondLst>
+                                    <p:cond delay="0"/>
+                                  </p:stCondLst>
+                                  <p:childTnLst>
+                                    <p:set>
+                                      <p:cBhvr>
+                                        <p:cTn id="24" dur="1" fill="hold">
+                                          <p:stCondLst>
+                                            <p:cond delay="0"/>
+                                          </p:stCondLst>
+                                        </p:cTn>
+                                        <p:tgtEl>
+                                          <p:spTgt spid="12"/>
+                                        </p:tgtEl>
+                                        <p:attrNameLst>
+                                          <p:attrName>style.visibility</p:attrName>
+                                        </p:attrNameLst>
+                                      </p:cBhvr>
+                                      <p:to>
+                                        <p:strVal val="visible"/>
+                                      </p:to>
+                                    </p:set>
+                                  </p:childTnLst>
+                                </p:cTn>
+                              </p:par>
+                            </p:childTnLst>
+                          </p:cTn>
+                        </p:par>
+                        <p:par>
+                          <p:cTn id="25" fill="hold">
+                            <p:stCondLst>
+                              <p:cond delay="40000"/>
+                            </p:stCondLst>
+                            <p:childTnLst>
+                              <p:par>
+                                <p:cTn id="26" presetID="1" presetClass="entr" presetSubtype="0" fill="hold" nodeType="afterEffect">
+                                  <p:stCondLst>
+                                    <p:cond delay="10000"/>
+                                  </p:stCondLst>
+                                  <p:childTnLst>
+                                    <p:set>
+                                      <p:cBhvr>
+                                        <p:cTn id="27" dur="1" fill="hold">
+                                          <p:stCondLst>
+                                            <p:cond delay="0"/>
+                                          </p:stCondLst>
+                                        </p:cTn>
+                                        <p:tgtEl>
+                                          <p:spTgt spid="13"/>
+                                        </p:tgtEl>
+                                        <p:attrNameLst>
+                                          <p:attrName>style.visibility</p:attrName>
+                                        </p:attrNameLst>
+                                      </p:cBhvr>
+                                      <p:to>
+                                        <p:strVal val="visible"/>
+                                      </p:to>
+                                    </p:set>
+                                  </p:childTnLst>
+                                </p:cTn>
+                              </p:par>
+                            </p:childTnLst>
+                          </p:cTn>
+                        </p:par>
+                      </p:childTnLst>
+                    </p:cTn>
+                  </p:par>
+                </p:childTnLst>
+              </p:cTn>
+              <p:prevCondLst>
+                <p:cond evt="onPrev" delay="0">
+                  <p:tgtEl>
+                    <p:sldTgt/>
+                  </p:tgtEl>
+                </p:cond>
+              </p:prevCondLst>
+              <p:nextCondLst>
+                <p:cond evt="onNext" delay="0">
+                  <p:tgtEl>
+                    <p:sldTgt/>
+                  </p:tgtEl>
+                </p:cond>
+              </p:nextCondLst>
+            </p:seq>
+          </p:childTnLst>
+        </p:cTn>
+      </p:par>
+    </p:tnLst>
+    <p:bldLst>
+      <p:bldP spid="12" grpId="0" animBg="1"/>
+    </p:bldLst>
+  </p:timing>
 </p:sld>
 </file>
 
@@ -3930,23 +4590,25 @@
         </p:nvSpPr>
         <p:spPr/>
         <p:txBody>
-          <a:bodyPr/>
+          <a:bodyPr>
+            <a:normAutofit/>
+          </a:bodyPr>
           <a:lstStyle/>
           <a:p>
             <a:r>
-              <a:rPr lang="en-US" dirty="0"/>
+              <a:rPr lang="en-US" sz="4400" dirty="0"/>
               <a:t>Pro: Can see overall trend in function values</a:t>
             </a:r>
           </a:p>
           <a:p>
             <a:r>
-              <a:rPr lang="en-US" dirty="0"/>
+              <a:rPr lang="en-US" sz="4400" dirty="0"/>
               <a:t>Con: Not good for calculating specific function values</a:t>
             </a:r>
           </a:p>
           <a:p>
             <a:r>
-              <a:rPr lang="en-US" dirty="0"/>
+              <a:rPr lang="en-US" sz="4400" dirty="0"/>
               <a:t>Graphs work best with tables or formulas</a:t>
             </a:r>
           </a:p>
@@ -3962,6 +4624,176 @@
   <p:clrMapOvr>
     <a:masterClrMapping/>
   </p:clrMapOvr>
+  <mc:AlternateContent xmlns:mc="http://schemas.openxmlformats.org/markup-compatibility/2006">
+    <mc:Choice xmlns:p14="http://schemas.microsoft.com/office/powerpoint/2010/main" Requires="p14">
+      <p:transition spd="slow" p14:dur="2000" advClick="0" advTm="40000"/>
+    </mc:Choice>
+    <mc:Fallback>
+      <p:transition spd="slow" advClick="0" advTm="40000"/>
+    </mc:Fallback>
+  </mc:AlternateContent>
+  <p:timing>
+    <p:tnLst>
+      <p:par>
+        <p:cTn id="1" dur="indefinite" restart="never" nodeType="tmRoot">
+          <p:childTnLst>
+            <p:seq concurrent="1" nextAc="seek">
+              <p:cTn id="2" dur="indefinite" nodeType="mainSeq">
+                <p:childTnLst>
+                  <p:par>
+                    <p:cTn id="3" fill="hold">
+                      <p:stCondLst>
+                        <p:cond delay="indefinite"/>
+                        <p:cond evt="onBegin" delay="0">
+                          <p:tn val="2"/>
+                        </p:cond>
+                      </p:stCondLst>
+                      <p:childTnLst>
+                        <p:par>
+                          <p:cTn id="4" fill="hold">
+                            <p:stCondLst>
+                              <p:cond delay="0"/>
+                            </p:stCondLst>
+                            <p:childTnLst>
+                              <p:par>
+                                <p:cTn id="5" presetID="1" presetClass="entr" presetSubtype="0" fill="hold" nodeType="afterEffect">
+                                  <p:stCondLst>
+                                    <p:cond delay="10000"/>
+                                  </p:stCondLst>
+                                  <p:childTnLst>
+                                    <p:set>
+                                      <p:cBhvr>
+                                        <p:cTn id="6" dur="1" fill="hold">
+                                          <p:stCondLst>
+                                            <p:cond delay="0"/>
+                                          </p:stCondLst>
+                                        </p:cTn>
+                                        <p:tgtEl>
+                                          <p:spTgt spid="3">
+                                            <p:txEl>
+                                              <p:pRg st="0" end="0"/>
+                                            </p:txEl>
+                                          </p:spTgt>
+                                        </p:tgtEl>
+                                        <p:attrNameLst>
+                                          <p:attrName>style.visibility</p:attrName>
+                                        </p:attrNameLst>
+                                      </p:cBhvr>
+                                      <p:to>
+                                        <p:strVal val="visible"/>
+                                      </p:to>
+                                    </p:set>
+                                  </p:childTnLst>
+                                </p:cTn>
+                              </p:par>
+                            </p:childTnLst>
+                          </p:cTn>
+                        </p:par>
+                        <p:par>
+                          <p:cTn id="7" fill="hold">
+                            <p:stCondLst>
+                              <p:cond delay="10000"/>
+                            </p:stCondLst>
+                            <p:childTnLst>
+                              <p:par>
+                                <p:cTn id="8" presetID="1" presetClass="entr" presetSubtype="0" fill="hold" nodeType="afterEffect">
+                                  <p:stCondLst>
+                                    <p:cond delay="10000"/>
+                                  </p:stCondLst>
+                                  <p:childTnLst>
+                                    <p:set>
+                                      <p:cBhvr>
+                                        <p:cTn id="9" dur="1" fill="hold">
+                                          <p:stCondLst>
+                                            <p:cond delay="0"/>
+                                          </p:stCondLst>
+                                        </p:cTn>
+                                        <p:tgtEl>
+                                          <p:spTgt spid="3">
+                                            <p:txEl>
+                                              <p:pRg st="1" end="1"/>
+                                            </p:txEl>
+                                          </p:spTgt>
+                                        </p:tgtEl>
+                                        <p:attrNameLst>
+                                          <p:attrName>style.visibility</p:attrName>
+                                        </p:attrNameLst>
+                                      </p:cBhvr>
+                                      <p:to>
+                                        <p:strVal val="visible"/>
+                                      </p:to>
+                                    </p:set>
+                                  </p:childTnLst>
+                                </p:cTn>
+                              </p:par>
+                            </p:childTnLst>
+                          </p:cTn>
+                        </p:par>
+                        <p:par>
+                          <p:cTn id="10" fill="hold">
+                            <p:stCondLst>
+                              <p:cond delay="20000"/>
+                            </p:stCondLst>
+                            <p:childTnLst>
+                              <p:par>
+                                <p:cTn id="11" presetID="1" presetClass="entr" presetSubtype="0" fill="hold" nodeType="afterEffect">
+                                  <p:stCondLst>
+                                    <p:cond delay="10000"/>
+                                  </p:stCondLst>
+                                  <p:childTnLst>
+                                    <p:set>
+                                      <p:cBhvr>
+                                        <p:cTn id="12" dur="1" fill="hold">
+                                          <p:stCondLst>
+                                            <p:cond delay="0"/>
+                                          </p:stCondLst>
+                                        </p:cTn>
+                                        <p:tgtEl>
+                                          <p:spTgt spid="3">
+                                            <p:txEl>
+                                              <p:pRg st="2" end="2"/>
+                                            </p:txEl>
+                                          </p:spTgt>
+                                        </p:tgtEl>
+                                        <p:attrNameLst>
+                                          <p:attrName>style.visibility</p:attrName>
+                                        </p:attrNameLst>
+                                      </p:cBhvr>
+                                      <p:to>
+                                        <p:strVal val="visible"/>
+                                      </p:to>
+                                    </p:set>
+                                  </p:childTnLst>
+                                </p:cTn>
+                              </p:par>
+                            </p:childTnLst>
+                          </p:cTn>
+                        </p:par>
+                      </p:childTnLst>
+                    </p:cTn>
+                  </p:par>
+                </p:childTnLst>
+              </p:cTn>
+              <p:prevCondLst>
+                <p:cond evt="onPrev" delay="0">
+                  <p:tgtEl>
+                    <p:sldTgt/>
+                  </p:tgtEl>
+                </p:cond>
+              </p:prevCondLst>
+              <p:nextCondLst>
+                <p:cond evt="onNext" delay="0">
+                  <p:tgtEl>
+                    <p:sldTgt/>
+                  </p:tgtEl>
+                </p:cond>
+              </p:nextCondLst>
+            </p:seq>
+          </p:childTnLst>
+        </p:cTn>
+      </p:par>
+    </p:tnLst>
+  </p:timing>
 </p:sld>
 </file>
 
@@ -4073,6 +4905,137 @@
           </a:p>
         </p:txBody>
       </p:sp>
+      <p:cxnSp>
+        <p:nvCxnSpPr>
+          <p:cNvPr id="4" name="Straight Arrow Connector 3">
+            <a:extLst>
+              <a:ext uri="{FF2B5EF4-FFF2-40B4-BE49-F238E27FC236}">
+                <a16:creationId xmlns:a16="http://schemas.microsoft.com/office/drawing/2014/main" id="{B364B0DA-7910-CAC8-A37B-EC77B718D31E}"/>
+              </a:ext>
+            </a:extLst>
+          </p:cNvPr>
+          <p:cNvCxnSpPr>
+            <a:cxnSpLocks/>
+          </p:cNvCxnSpPr>
+          <p:nvPr/>
+        </p:nvCxnSpPr>
+        <p:spPr>
+          <a:xfrm>
+            <a:off x="4419600" y="4624387"/>
+            <a:ext cx="4305300" cy="223837"/>
+          </a:xfrm>
+          <a:prstGeom prst="straightConnector1">
+            <a:avLst/>
+          </a:prstGeom>
+          <a:ln w="76200">
+            <a:tailEnd type="triangle"/>
+          </a:ln>
+        </p:spPr>
+        <p:style>
+          <a:lnRef idx="2">
+            <a:schemeClr val="accent5"/>
+          </a:lnRef>
+          <a:fillRef idx="0">
+            <a:schemeClr val="accent5"/>
+          </a:fillRef>
+          <a:effectRef idx="1">
+            <a:schemeClr val="accent5"/>
+          </a:effectRef>
+          <a:fontRef idx="minor">
+            <a:schemeClr val="tx1"/>
+          </a:fontRef>
+        </p:style>
+      </p:cxnSp>
+      <p:cxnSp>
+        <p:nvCxnSpPr>
+          <p:cNvPr id="7" name="Straight Arrow Connector 6">
+            <a:extLst>
+              <a:ext uri="{FF2B5EF4-FFF2-40B4-BE49-F238E27FC236}">
+                <a16:creationId xmlns:a16="http://schemas.microsoft.com/office/drawing/2014/main" id="{3BF84A60-1E3E-4FC3-84C8-14E36722F35F}"/>
+              </a:ext>
+            </a:extLst>
+          </p:cNvPr>
+          <p:cNvCxnSpPr>
+            <a:cxnSpLocks/>
+          </p:cNvCxnSpPr>
+          <p:nvPr/>
+        </p:nvCxnSpPr>
+        <p:spPr>
+          <a:xfrm flipV="1">
+            <a:off x="8724900" y="3429000"/>
+            <a:ext cx="1028700" cy="1419224"/>
+          </a:xfrm>
+          <a:prstGeom prst="straightConnector1">
+            <a:avLst/>
+          </a:prstGeom>
+          <a:ln w="76200">
+            <a:solidFill>
+              <a:schemeClr val="accent6">
+                <a:lumMod val="50000"/>
+              </a:schemeClr>
+            </a:solidFill>
+            <a:tailEnd type="triangle"/>
+          </a:ln>
+        </p:spPr>
+        <p:style>
+          <a:lnRef idx="2">
+            <a:schemeClr val="accent5"/>
+          </a:lnRef>
+          <a:fillRef idx="0">
+            <a:schemeClr val="accent5"/>
+          </a:fillRef>
+          <a:effectRef idx="1">
+            <a:schemeClr val="accent5"/>
+          </a:effectRef>
+          <a:fontRef idx="minor">
+            <a:schemeClr val="tx1"/>
+          </a:fontRef>
+        </p:style>
+      </p:cxnSp>
+      <p:cxnSp>
+        <p:nvCxnSpPr>
+          <p:cNvPr id="10" name="Straight Arrow Connector 9">
+            <a:extLst>
+              <a:ext uri="{FF2B5EF4-FFF2-40B4-BE49-F238E27FC236}">
+                <a16:creationId xmlns:a16="http://schemas.microsoft.com/office/drawing/2014/main" id="{EC4AC758-8F93-C1D6-E6F6-E7FA2D428920}"/>
+              </a:ext>
+            </a:extLst>
+          </p:cNvPr>
+          <p:cNvCxnSpPr>
+            <a:cxnSpLocks/>
+          </p:cNvCxnSpPr>
+          <p:nvPr/>
+        </p:nvCxnSpPr>
+        <p:spPr>
+          <a:xfrm>
+            <a:off x="9753600" y="3419475"/>
+            <a:ext cx="1114425" cy="0"/>
+          </a:xfrm>
+          <a:prstGeom prst="straightConnector1">
+            <a:avLst/>
+          </a:prstGeom>
+          <a:ln w="76200">
+            <a:solidFill>
+              <a:schemeClr val="accent2"/>
+            </a:solidFill>
+            <a:tailEnd type="triangle"/>
+          </a:ln>
+        </p:spPr>
+        <p:style>
+          <a:lnRef idx="2">
+            <a:schemeClr val="accent5"/>
+          </a:lnRef>
+          <a:fillRef idx="0">
+            <a:schemeClr val="accent5"/>
+          </a:fillRef>
+          <a:effectRef idx="1">
+            <a:schemeClr val="accent5"/>
+          </a:effectRef>
+          <a:fontRef idx="minor">
+            <a:schemeClr val="tx1"/>
+          </a:fontRef>
+        </p:style>
+      </p:cxnSp>
     </p:spTree>
     <p:extLst>
       <p:ext uri="{BB962C8B-B14F-4D97-AF65-F5344CB8AC3E}">
@@ -4083,6 +5046,164 @@
   <p:clrMapOvr>
     <a:masterClrMapping/>
   </p:clrMapOvr>
+  <mc:AlternateContent xmlns:mc="http://schemas.openxmlformats.org/markup-compatibility/2006">
+    <mc:Choice xmlns:p14="http://schemas.microsoft.com/office/powerpoint/2010/main" Requires="p14">
+      <p:transition spd="slow" p14:dur="2000" advClick="0" advTm="40000"/>
+    </mc:Choice>
+    <mc:Fallback>
+      <p:transition spd="slow" advClick="0" advTm="40000"/>
+    </mc:Fallback>
+  </mc:AlternateContent>
+  <p:timing>
+    <p:tnLst>
+      <p:par>
+        <p:cTn id="1" dur="indefinite" restart="never" nodeType="tmRoot">
+          <p:childTnLst>
+            <p:seq concurrent="1" nextAc="seek">
+              <p:cTn id="2" dur="indefinite" nodeType="mainSeq">
+                <p:childTnLst>
+                  <p:par>
+                    <p:cTn id="3" fill="hold">
+                      <p:stCondLst>
+                        <p:cond delay="indefinite"/>
+                        <p:cond evt="onBegin" delay="0">
+                          <p:tn val="2"/>
+                        </p:cond>
+                      </p:stCondLst>
+                      <p:childTnLst>
+                        <p:par>
+                          <p:cTn id="4" fill="hold">
+                            <p:stCondLst>
+                              <p:cond delay="0"/>
+                            </p:stCondLst>
+                            <p:childTnLst>
+                              <p:par>
+                                <p:cTn id="5" presetID="1" presetClass="entr" presetSubtype="0" fill="hold" nodeType="afterEffect">
+                                  <p:stCondLst>
+                                    <p:cond delay="10000"/>
+                                  </p:stCondLst>
+                                  <p:childTnLst>
+                                    <p:set>
+                                      <p:cBhvr>
+                                        <p:cTn id="6" dur="1" fill="hold">
+                                          <p:stCondLst>
+                                            <p:cond delay="0"/>
+                                          </p:stCondLst>
+                                        </p:cTn>
+                                        <p:tgtEl>
+                                          <p:spTgt spid="4"/>
+                                        </p:tgtEl>
+                                        <p:attrNameLst>
+                                          <p:attrName>style.visibility</p:attrName>
+                                        </p:attrNameLst>
+                                      </p:cBhvr>
+                                      <p:to>
+                                        <p:strVal val="visible"/>
+                                      </p:to>
+                                    </p:set>
+                                  </p:childTnLst>
+                                </p:cTn>
+                              </p:par>
+                            </p:childTnLst>
+                          </p:cTn>
+                        </p:par>
+                        <p:par>
+                          <p:cTn id="7" fill="hold">
+                            <p:stCondLst>
+                              <p:cond delay="10000"/>
+                            </p:stCondLst>
+                            <p:childTnLst>
+                              <p:par>
+                                <p:cTn id="8" presetID="1" presetClass="entr" presetSubtype="0" fill="hold" nodeType="afterEffect">
+                                  <p:stCondLst>
+                                    <p:cond delay="10000"/>
+                                  </p:stCondLst>
+                                  <p:childTnLst>
+                                    <p:set>
+                                      <p:cBhvr>
+                                        <p:cTn id="9" dur="1" fill="hold">
+                                          <p:stCondLst>
+                                            <p:cond delay="0"/>
+                                          </p:stCondLst>
+                                        </p:cTn>
+                                        <p:tgtEl>
+                                          <p:spTgt spid="7"/>
+                                        </p:tgtEl>
+                                        <p:attrNameLst>
+                                          <p:attrName>style.visibility</p:attrName>
+                                        </p:attrNameLst>
+                                      </p:cBhvr>
+                                      <p:to>
+                                        <p:strVal val="visible"/>
+                                      </p:to>
+                                    </p:set>
+                                  </p:childTnLst>
+                                </p:cTn>
+                              </p:par>
+                            </p:childTnLst>
+                          </p:cTn>
+                        </p:par>
+                        <p:par>
+                          <p:cTn id="10" fill="hold">
+                            <p:stCondLst>
+                              <p:cond delay="20000"/>
+                            </p:stCondLst>
+                            <p:childTnLst>
+                              <p:par>
+                                <p:cTn id="11" presetID="1" presetClass="entr" presetSubtype="0" fill="hold" nodeType="afterEffect">
+                                  <p:stCondLst>
+                                    <p:cond delay="10000"/>
+                                  </p:stCondLst>
+                                  <p:childTnLst>
+                                    <p:set>
+                                      <p:cBhvr>
+                                        <p:cTn id="12" dur="1" fill="hold">
+                                          <p:stCondLst>
+                                            <p:cond delay="0"/>
+                                          </p:stCondLst>
+                                        </p:cTn>
+                                        <p:tgtEl>
+                                          <p:spTgt spid="10"/>
+                                        </p:tgtEl>
+                                        <p:attrNameLst>
+                                          <p:attrName>style.visibility</p:attrName>
+                                        </p:attrNameLst>
+                                      </p:cBhvr>
+                                      <p:to>
+                                        <p:strVal val="visible"/>
+                                      </p:to>
+                                    </p:set>
+                                  </p:childTnLst>
+                                </p:cTn>
+                              </p:par>
+                            </p:childTnLst>
+                          </p:cTn>
+                        </p:par>
+                      </p:childTnLst>
+                    </p:cTn>
+                  </p:par>
+                </p:childTnLst>
+              </p:cTn>
+              <p:prevCondLst>
+                <p:cond evt="onPrev" delay="0">
+                  <p:tgtEl>
+                    <p:sldTgt/>
+                  </p:tgtEl>
+                </p:cond>
+              </p:prevCondLst>
+              <p:nextCondLst>
+                <p:cond evt="onNext" delay="0">
+                  <p:tgtEl>
+                    <p:sldTgt/>
+                  </p:tgtEl>
+                </p:cond>
+              </p:nextCondLst>
+            </p:seq>
+          </p:childTnLst>
+        </p:cTn>
+      </p:par>
+    </p:tnLst>
+  </p:timing>
 </p:sld>
 </file>
 
@@ -4171,36 +5292,404 @@
           </a:xfrm>
         </p:spPr>
       </p:pic>
-      <p:sp>
-        <p:nvSpPr>
-          <p:cNvPr id="6" name="Content Placeholder 5">
-            <a:extLst>
-              <a:ext uri="{FF2B5EF4-FFF2-40B4-BE49-F238E27FC236}">
-                <a16:creationId xmlns:a16="http://schemas.microsoft.com/office/drawing/2014/main" id="{31BAEC50-D89A-6932-F0BD-8E5DE19D7986}"/>
-              </a:ext>
-            </a:extLst>
-          </p:cNvPr>
-          <p:cNvSpPr>
-            <a:spLocks noGrp="1"/>
-          </p:cNvSpPr>
-          <p:nvPr>
-            <p:ph sz="half" idx="2"/>
-          </p:nvPr>
-        </p:nvSpPr>
+      <mc:AlternateContent xmlns:mc="http://schemas.openxmlformats.org/markup-compatibility/2006">
+        <mc:Choice xmlns:a14="http://schemas.microsoft.com/office/drawing/2010/main" Requires="a14">
+          <p:sp>
+            <p:nvSpPr>
+              <p:cNvPr id="6" name="Content Placeholder 5">
+                <a:extLst>
+                  <a:ext uri="{FF2B5EF4-FFF2-40B4-BE49-F238E27FC236}">
+                    <a16:creationId xmlns:a16="http://schemas.microsoft.com/office/drawing/2014/main" id="{31BAEC50-D89A-6932-F0BD-8E5DE19D7986}"/>
+                  </a:ext>
+                </a:extLst>
+              </p:cNvPr>
+              <p:cNvSpPr>
+                <a:spLocks noGrp="1"/>
+              </p:cNvSpPr>
+              <p:nvPr>
+                <p:ph sz="half" idx="2"/>
+              </p:nvPr>
+            </p:nvSpPr>
+            <p:spPr>
+              <a:xfrm>
+                <a:off x="6172200" y="365125"/>
+                <a:ext cx="5181600" cy="5811838"/>
+              </a:xfrm>
+            </p:spPr>
+            <p:txBody>
+              <a:bodyPr>
+                <a:normAutofit/>
+              </a:bodyPr>
+              <a:lstStyle/>
+              <a:p>
+                <a:pPr marL="0" indent="0">
+                  <a:lnSpc>
+                    <a:spcPct val="100000"/>
+                  </a:lnSpc>
+                  <a:buNone/>
+                </a:pPr>
+                <a:r>
+                  <a:rPr lang="en-US" sz="4000" dirty="0"/>
+                  <a:t>Evaluate the following:</a:t>
+                </a:r>
+              </a:p>
+              <a:p>
+                <a:pPr>
+                  <a:lnSpc>
+                    <a:spcPct val="100000"/>
+                  </a:lnSpc>
+                </a:pPr>
+                <a14:m>
+                  <m:oMath xmlns:m="http://schemas.openxmlformats.org/officeDocument/2006/math">
+                    <m:r>
+                      <a:rPr lang="en-US" sz="4000" b="0" i="1" smtClean="0">
+                        <a:latin typeface="Cambria Math" panose="02040503050406030204" pitchFamily="18" charset="0"/>
+                      </a:rPr>
+                      <m:t>𝑓</m:t>
+                    </m:r>
+                    <m:r>
+                      <a:rPr lang="en-US" sz="4000" b="0" i="1" smtClean="0">
+                        <a:latin typeface="Cambria Math" panose="02040503050406030204" pitchFamily="18" charset="0"/>
+                      </a:rPr>
+                      <m:t>(3)</m:t>
+                    </m:r>
+                  </m:oMath>
+                </a14:m>
+                <a:endParaRPr lang="en-US" sz="4000" dirty="0"/>
+              </a:p>
+              <a:p>
+                <a:pPr>
+                  <a:lnSpc>
+                    <a:spcPct val="100000"/>
+                  </a:lnSpc>
+                </a:pPr>
+                <a14:m>
+                  <m:oMath xmlns:m="http://schemas.openxmlformats.org/officeDocument/2006/math">
+                    <m:r>
+                      <a:rPr lang="en-US" sz="4000" b="0" i="1" smtClean="0">
+                        <a:latin typeface="Cambria Math" panose="02040503050406030204" pitchFamily="18" charset="0"/>
+                      </a:rPr>
+                      <m:t>𝑓</m:t>
+                    </m:r>
+                    <m:r>
+                      <a:rPr lang="en-US" sz="4000" b="0" i="1" smtClean="0">
+                        <a:latin typeface="Cambria Math" panose="02040503050406030204" pitchFamily="18" charset="0"/>
+                      </a:rPr>
+                      <m:t>(6)</m:t>
+                    </m:r>
+                  </m:oMath>
+                </a14:m>
+                <a:endParaRPr lang="en-US" sz="4000" dirty="0"/>
+              </a:p>
+              <a:p>
+                <a:pPr marL="0" indent="0">
+                  <a:lnSpc>
+                    <a:spcPct val="100000"/>
+                  </a:lnSpc>
+                  <a:buNone/>
+                </a:pPr>
+                <a14:m>
+                  <m:oMathPara xmlns:m="http://schemas.openxmlformats.org/officeDocument/2006/math">
+                    <m:oMathParaPr>
+                      <m:jc m:val="centerGroup"/>
+                    </m:oMathParaPr>
+                    <m:oMath xmlns:m="http://schemas.openxmlformats.org/officeDocument/2006/math">
+                      <m:r>
+                        <a:rPr lang="en-US" sz="4000" b="0" i="1" smtClean="0">
+                          <a:latin typeface="Cambria Math" panose="02040503050406030204" pitchFamily="18" charset="0"/>
+                        </a:rPr>
+                        <m:t>𝑓</m:t>
+                      </m:r>
+                      <m:d>
+                        <m:dPr>
+                          <m:ctrlPr>
+                            <a:rPr lang="en-US" sz="4000" b="0" i="1" smtClean="0">
+                              <a:latin typeface="Cambria Math" panose="02040503050406030204" pitchFamily="18" charset="0"/>
+                            </a:rPr>
+                          </m:ctrlPr>
+                        </m:dPr>
+                        <m:e>
+                          <m:r>
+                            <a:rPr lang="en-US" sz="4000" b="0" i="1" smtClean="0">
+                              <a:latin typeface="Cambria Math" panose="02040503050406030204" pitchFamily="18" charset="0"/>
+                            </a:rPr>
+                            <m:t>3</m:t>
+                          </m:r>
+                        </m:e>
+                      </m:d>
+                      <m:r>
+                        <a:rPr lang="en-US" sz="4000" b="0" i="1" smtClean="0">
+                          <a:latin typeface="Cambria Math" panose="02040503050406030204" pitchFamily="18" charset="0"/>
+                        </a:rPr>
+                        <m:t>=1.2</m:t>
+                      </m:r>
+                    </m:oMath>
+                  </m:oMathPara>
+                </a14:m>
+                <a:endParaRPr lang="en-US" sz="4000" b="0" dirty="0"/>
+              </a:p>
+              <a:p>
+                <a:pPr marL="0" indent="0">
+                  <a:lnSpc>
+                    <a:spcPct val="100000"/>
+                  </a:lnSpc>
+                  <a:buNone/>
+                </a:pPr>
+                <a14:m>
+                  <m:oMathPara xmlns:m="http://schemas.openxmlformats.org/officeDocument/2006/math">
+                    <m:oMathParaPr>
+                      <m:jc m:val="centerGroup"/>
+                    </m:oMathParaPr>
+                    <m:oMath xmlns:m="http://schemas.openxmlformats.org/officeDocument/2006/math">
+                      <m:r>
+                        <a:rPr lang="en-US" sz="4000" b="0" i="1" smtClean="0">
+                          <a:latin typeface="Cambria Math" panose="02040503050406030204" pitchFamily="18" charset="0"/>
+                        </a:rPr>
+                        <m:t>𝑓</m:t>
+                      </m:r>
+                      <m:d>
+                        <m:dPr>
+                          <m:ctrlPr>
+                            <a:rPr lang="en-US" sz="4000" b="0" i="1" smtClean="0">
+                              <a:latin typeface="Cambria Math" panose="02040503050406030204" pitchFamily="18" charset="0"/>
+                            </a:rPr>
+                          </m:ctrlPr>
+                        </m:dPr>
+                        <m:e>
+                          <m:r>
+                            <a:rPr lang="en-US" sz="4000" b="0" i="1" smtClean="0">
+                              <a:latin typeface="Cambria Math" panose="02040503050406030204" pitchFamily="18" charset="0"/>
+                            </a:rPr>
+                            <m:t>6</m:t>
+                          </m:r>
+                        </m:e>
+                      </m:d>
+                      <m:r>
+                        <a:rPr lang="en-US" sz="4000" b="0" i="1" smtClean="0">
+                          <a:latin typeface="Cambria Math" panose="02040503050406030204" pitchFamily="18" charset="0"/>
+                        </a:rPr>
+                        <m:t>=3.8</m:t>
+                      </m:r>
+                    </m:oMath>
+                  </m:oMathPara>
+                </a14:m>
+                <a:endParaRPr lang="en-US" sz="4000" dirty="0"/>
+              </a:p>
+            </p:txBody>
+          </p:sp>
+        </mc:Choice>
+        <mc:Fallback>
+          <p:sp>
+            <p:nvSpPr>
+              <p:cNvPr id="6" name="Content Placeholder 5">
+                <a:extLst>
+                  <a:ext uri="{FF2B5EF4-FFF2-40B4-BE49-F238E27FC236}">
+                    <a16:creationId xmlns:a16="http://schemas.microsoft.com/office/drawing/2014/main" id="{31BAEC50-D89A-6932-F0BD-8E5DE19D7986}"/>
+                  </a:ext>
+                </a:extLst>
+              </p:cNvPr>
+              <p:cNvSpPr>
+                <a:spLocks noGrp="1" noRot="1" noChangeAspect="1" noMove="1" noResize="1" noEditPoints="1" noAdjustHandles="1" noChangeArrowheads="1" noChangeShapeType="1" noTextEdit="1"/>
+              </p:cNvSpPr>
+              <p:nvPr>
+                <p:ph sz="half" idx="2"/>
+              </p:nvPr>
+            </p:nvSpPr>
+            <p:spPr>
+              <a:xfrm>
+                <a:off x="6172200" y="365125"/>
+                <a:ext cx="5181600" cy="5811838"/>
+              </a:xfrm>
+              <a:blipFill>
+                <a:blip r:embed="rId3"/>
+                <a:stretch>
+                  <a:fillRect l="-4235" t="-1889" r="-2941"/>
+                </a:stretch>
+              </a:blipFill>
+            </p:spPr>
+            <p:txBody>
+              <a:bodyPr/>
+              <a:lstStyle/>
+              <a:p>
+                <a:r>
+                  <a:rPr lang="en-US">
+                    <a:noFill/>
+                  </a:rPr>
+                  <a:t> </a:t>
+                </a:r>
+              </a:p>
+            </p:txBody>
+          </p:sp>
+        </mc:Fallback>
+      </mc:AlternateContent>
+      <p:cxnSp>
+        <p:nvCxnSpPr>
+          <p:cNvPr id="2" name="Straight Arrow Connector 1">
+            <a:extLst>
+              <a:ext uri="{FF2B5EF4-FFF2-40B4-BE49-F238E27FC236}">
+                <a16:creationId xmlns:a16="http://schemas.microsoft.com/office/drawing/2014/main" id="{9F80CF16-E4D4-7227-F564-C98E4C7426CC}"/>
+              </a:ext>
+            </a:extLst>
+          </p:cNvPr>
+          <p:cNvCxnSpPr>
+            <a:cxnSpLocks/>
+          </p:cNvCxnSpPr>
+          <p:nvPr/>
+        </p:nvCxnSpPr>
         <p:spPr>
-          <a:xfrm>
-            <a:off x="6172200" y="365125"/>
-            <a:ext cx="5181600" cy="5811838"/>
+          <a:xfrm flipV="1">
+            <a:off x="3041837" y="5076825"/>
+            <a:ext cx="0" cy="755276"/>
           </a:xfrm>
+          <a:prstGeom prst="straightConnector1">
+            <a:avLst/>
+          </a:prstGeom>
+          <a:ln w="38100">
+            <a:headEnd type="none" w="med" len="med"/>
+            <a:tailEnd type="triangle" w="med" len="med"/>
+          </a:ln>
         </p:spPr>
-        <p:txBody>
-          <a:bodyPr/>
-          <a:lstStyle/>
-          <a:p>
-            <a:endParaRPr lang="en-US"/>
-          </a:p>
-        </p:txBody>
-      </p:sp>
+        <p:style>
+          <a:lnRef idx="2">
+            <a:schemeClr val="accent2"/>
+          </a:lnRef>
+          <a:fillRef idx="0">
+            <a:schemeClr val="accent2"/>
+          </a:fillRef>
+          <a:effectRef idx="1">
+            <a:schemeClr val="accent2"/>
+          </a:effectRef>
+          <a:fontRef idx="minor">
+            <a:schemeClr val="tx1"/>
+          </a:fontRef>
+        </p:style>
+      </p:cxnSp>
+      <p:cxnSp>
+        <p:nvCxnSpPr>
+          <p:cNvPr id="5" name="Straight Arrow Connector 4">
+            <a:extLst>
+              <a:ext uri="{FF2B5EF4-FFF2-40B4-BE49-F238E27FC236}">
+                <a16:creationId xmlns:a16="http://schemas.microsoft.com/office/drawing/2014/main" id="{60B79E61-832A-9900-B25D-A8E05CB34608}"/>
+              </a:ext>
+            </a:extLst>
+          </p:cNvPr>
+          <p:cNvCxnSpPr>
+            <a:cxnSpLocks/>
+          </p:cNvCxnSpPr>
+          <p:nvPr/>
+        </p:nvCxnSpPr>
+        <p:spPr>
+          <a:xfrm flipV="1">
+            <a:off x="4889687" y="3495675"/>
+            <a:ext cx="0" cy="2336426"/>
+          </a:xfrm>
+          <a:prstGeom prst="straightConnector1">
+            <a:avLst/>
+          </a:prstGeom>
+          <a:ln w="38100">
+            <a:headEnd type="none" w="med" len="med"/>
+            <a:tailEnd type="triangle" w="med" len="med"/>
+          </a:ln>
+        </p:spPr>
+        <p:style>
+          <a:lnRef idx="2">
+            <a:schemeClr val="accent2"/>
+          </a:lnRef>
+          <a:fillRef idx="0">
+            <a:schemeClr val="accent2"/>
+          </a:fillRef>
+          <a:effectRef idx="1">
+            <a:schemeClr val="accent2"/>
+          </a:effectRef>
+          <a:fontRef idx="minor">
+            <a:schemeClr val="tx1"/>
+          </a:fontRef>
+        </p:style>
+      </p:cxnSp>
+      <p:cxnSp>
+        <p:nvCxnSpPr>
+          <p:cNvPr id="9" name="Straight Arrow Connector 8">
+            <a:extLst>
+              <a:ext uri="{FF2B5EF4-FFF2-40B4-BE49-F238E27FC236}">
+                <a16:creationId xmlns:a16="http://schemas.microsoft.com/office/drawing/2014/main" id="{A8DDDBB2-C125-2794-947A-A884F951DC3F}"/>
+              </a:ext>
+            </a:extLst>
+          </p:cNvPr>
+          <p:cNvCxnSpPr>
+            <a:cxnSpLocks/>
+          </p:cNvCxnSpPr>
+          <p:nvPr/>
+        </p:nvCxnSpPr>
+        <p:spPr>
+          <a:xfrm flipH="1">
+            <a:off x="1143000" y="5076264"/>
+            <a:ext cx="1898837" cy="0"/>
+          </a:xfrm>
+          <a:prstGeom prst="straightConnector1">
+            <a:avLst/>
+          </a:prstGeom>
+          <a:ln w="38100">
+            <a:headEnd type="none" w="med" len="med"/>
+            <a:tailEnd type="triangle" w="med" len="med"/>
+          </a:ln>
+        </p:spPr>
+        <p:style>
+          <a:lnRef idx="2">
+            <a:schemeClr val="accent2"/>
+          </a:lnRef>
+          <a:fillRef idx="0">
+            <a:schemeClr val="accent2"/>
+          </a:fillRef>
+          <a:effectRef idx="1">
+            <a:schemeClr val="accent2"/>
+          </a:effectRef>
+          <a:fontRef idx="minor">
+            <a:schemeClr val="tx1"/>
+          </a:fontRef>
+        </p:style>
+      </p:cxnSp>
+      <p:cxnSp>
+        <p:nvCxnSpPr>
+          <p:cNvPr id="11" name="Straight Arrow Connector 10">
+            <a:extLst>
+              <a:ext uri="{FF2B5EF4-FFF2-40B4-BE49-F238E27FC236}">
+                <a16:creationId xmlns:a16="http://schemas.microsoft.com/office/drawing/2014/main" id="{B5BDC118-2C9A-A2FF-DCD9-9B761AB83338}"/>
+              </a:ext>
+            </a:extLst>
+          </p:cNvPr>
+          <p:cNvCxnSpPr>
+            <a:cxnSpLocks/>
+          </p:cNvCxnSpPr>
+          <p:nvPr/>
+        </p:nvCxnSpPr>
+        <p:spPr>
+          <a:xfrm flipH="1">
+            <a:off x="1143000" y="3495675"/>
+            <a:ext cx="3746687" cy="0"/>
+          </a:xfrm>
+          <a:prstGeom prst="straightConnector1">
+            <a:avLst/>
+          </a:prstGeom>
+          <a:ln w="38100">
+            <a:headEnd type="none" w="med" len="med"/>
+            <a:tailEnd type="triangle" w="med" len="med"/>
+          </a:ln>
+        </p:spPr>
+        <p:style>
+          <a:lnRef idx="2">
+            <a:schemeClr val="accent2"/>
+          </a:lnRef>
+          <a:fillRef idx="0">
+            <a:schemeClr val="accent2"/>
+          </a:fillRef>
+          <a:effectRef idx="1">
+            <a:schemeClr val="accent2"/>
+          </a:effectRef>
+          <a:fontRef idx="minor">
+            <a:schemeClr val="tx1"/>
+          </a:fontRef>
+        </p:style>
+      </p:cxnSp>
     </p:spTree>
     <p:extLst>
       <p:ext uri="{BB962C8B-B14F-4D97-AF65-F5344CB8AC3E}">
@@ -4211,6 +5700,424 @@
   <p:clrMapOvr>
     <a:masterClrMapping/>
   </p:clrMapOvr>
+  <mc:AlternateContent xmlns:mc="http://schemas.openxmlformats.org/markup-compatibility/2006">
+    <mc:Choice xmlns:p14="http://schemas.microsoft.com/office/powerpoint/2010/main" Requires="p14">
+      <p:transition spd="slow" p14:dur="2000" advClick="0" advTm="70000"/>
+    </mc:Choice>
+    <mc:Fallback>
+      <p:transition spd="slow" advClick="0" advTm="70000"/>
+    </mc:Fallback>
+  </mc:AlternateContent>
+  <p:timing>
+    <p:tnLst>
+      <p:par>
+        <p:cTn id="1" dur="indefinite" restart="never" nodeType="tmRoot">
+          <p:childTnLst>
+            <p:seq concurrent="1" nextAc="seek">
+              <p:cTn id="2" dur="indefinite" nodeType="mainSeq">
+                <p:childTnLst>
+                  <p:par>
+                    <p:cTn id="3" fill="hold">
+                      <p:stCondLst>
+                        <p:cond delay="indefinite"/>
+                        <p:cond evt="onBegin" delay="0">
+                          <p:tn val="2"/>
+                        </p:cond>
+                      </p:stCondLst>
+                      <p:childTnLst>
+                        <p:par>
+                          <p:cTn id="4" fill="hold">
+                            <p:stCondLst>
+                              <p:cond delay="0"/>
+                            </p:stCondLst>
+                            <p:childTnLst>
+                              <p:par>
+                                <p:cTn id="5" presetID="1" presetClass="entr" presetSubtype="0" fill="hold" nodeType="afterEffect">
+                                  <p:stCondLst>
+                                    <p:cond delay="10000"/>
+                                  </p:stCondLst>
+                                  <p:childTnLst>
+                                    <p:set>
+                                      <p:cBhvr>
+                                        <p:cTn id="6" dur="1" fill="hold">
+                                          <p:stCondLst>
+                                            <p:cond delay="0"/>
+                                          </p:stCondLst>
+                                        </p:cTn>
+                                        <p:tgtEl>
+                                          <p:spTgt spid="2"/>
+                                        </p:tgtEl>
+                                        <p:attrNameLst>
+                                          <p:attrName>style.visibility</p:attrName>
+                                        </p:attrNameLst>
+                                      </p:cBhvr>
+                                      <p:to>
+                                        <p:strVal val="visible"/>
+                                      </p:to>
+                                    </p:set>
+                                  </p:childTnLst>
+                                </p:cTn>
+                              </p:par>
+                            </p:childTnLst>
+                          </p:cTn>
+                        </p:par>
+                        <p:par>
+                          <p:cTn id="7" fill="hold">
+                            <p:stCondLst>
+                              <p:cond delay="10000"/>
+                            </p:stCondLst>
+                            <p:childTnLst>
+                              <p:par>
+                                <p:cTn id="8" presetID="1" presetClass="entr" presetSubtype="0" fill="hold" nodeType="afterEffect">
+                                  <p:stCondLst>
+                                    <p:cond delay="10000"/>
+                                  </p:stCondLst>
+                                  <p:childTnLst>
+                                    <p:set>
+                                      <p:cBhvr>
+                                        <p:cTn id="9" dur="1" fill="hold">
+                                          <p:stCondLst>
+                                            <p:cond delay="0"/>
+                                          </p:stCondLst>
+                                        </p:cTn>
+                                        <p:tgtEl>
+                                          <p:spTgt spid="9"/>
+                                        </p:tgtEl>
+                                        <p:attrNameLst>
+                                          <p:attrName>style.visibility</p:attrName>
+                                        </p:attrNameLst>
+                                      </p:cBhvr>
+                                      <p:to>
+                                        <p:strVal val="visible"/>
+                                      </p:to>
+                                    </p:set>
+                                  </p:childTnLst>
+                                </p:cTn>
+                              </p:par>
+                            </p:childTnLst>
+                          </p:cTn>
+                        </p:par>
+                        <p:par>
+                          <p:cTn id="10" fill="hold">
+                            <p:stCondLst>
+                              <p:cond delay="20000"/>
+                            </p:stCondLst>
+                            <p:childTnLst>
+                              <p:par>
+                                <p:cTn id="11" presetID="1" presetClass="entr" presetSubtype="0" fill="hold" nodeType="afterEffect">
+                                  <p:stCondLst>
+                                    <p:cond delay="10000"/>
+                                  </p:stCondLst>
+                                  <p:childTnLst>
+                                    <p:set>
+                                      <p:cBhvr>
+                                        <p:cTn id="12" dur="1" fill="hold">
+                                          <p:stCondLst>
+                                            <p:cond delay="0"/>
+                                          </p:stCondLst>
+                                        </p:cTn>
+                                        <p:tgtEl>
+                                          <p:spTgt spid="6">
+                                            <p:txEl>
+                                              <p:pRg st="3" end="3"/>
+                                            </p:txEl>
+                                          </p:spTgt>
+                                        </p:tgtEl>
+                                        <p:attrNameLst>
+                                          <p:attrName>style.visibility</p:attrName>
+                                        </p:attrNameLst>
+                                      </p:cBhvr>
+                                      <p:to>
+                                        <p:strVal val="visible"/>
+                                      </p:to>
+                                    </p:set>
+                                  </p:childTnLst>
+                                </p:cTn>
+                              </p:par>
+                            </p:childTnLst>
+                          </p:cTn>
+                        </p:par>
+                        <p:par>
+                          <p:cTn id="13" fill="hold">
+                            <p:stCondLst>
+                              <p:cond delay="30000"/>
+                            </p:stCondLst>
+                            <p:childTnLst>
+                              <p:par>
+                                <p:cTn id="14" presetID="1" presetClass="exit" presetSubtype="0" fill="hold" nodeType="afterEffect">
+                                  <p:stCondLst>
+                                    <p:cond delay="0"/>
+                                  </p:stCondLst>
+                                  <p:childTnLst>
+                                    <p:set>
+                                      <p:cBhvr>
+                                        <p:cTn id="15" dur="1" fill="hold">
+                                          <p:stCondLst>
+                                            <p:cond delay="0"/>
+                                          </p:stCondLst>
+                                        </p:cTn>
+                                        <p:tgtEl>
+                                          <p:spTgt spid="2"/>
+                                        </p:tgtEl>
+                                        <p:attrNameLst>
+                                          <p:attrName>style.visibility</p:attrName>
+                                        </p:attrNameLst>
+                                      </p:cBhvr>
+                                      <p:to>
+                                        <p:strVal val="hidden"/>
+                                      </p:to>
+                                    </p:set>
+                                  </p:childTnLst>
+                                </p:cTn>
+                              </p:par>
+                            </p:childTnLst>
+                          </p:cTn>
+                        </p:par>
+                        <p:par>
+                          <p:cTn id="16" fill="hold">
+                            <p:stCondLst>
+                              <p:cond delay="30000"/>
+                            </p:stCondLst>
+                            <p:childTnLst>
+                              <p:par>
+                                <p:cTn id="17" presetID="1" presetClass="exit" presetSubtype="0" fill="hold" nodeType="afterEffect">
+                                  <p:stCondLst>
+                                    <p:cond delay="0"/>
+                                  </p:stCondLst>
+                                  <p:childTnLst>
+                                    <p:set>
+                                      <p:cBhvr>
+                                        <p:cTn id="18" dur="1" fill="hold">
+                                          <p:stCondLst>
+                                            <p:cond delay="0"/>
+                                          </p:stCondLst>
+                                        </p:cTn>
+                                        <p:tgtEl>
+                                          <p:spTgt spid="9"/>
+                                        </p:tgtEl>
+                                        <p:attrNameLst>
+                                          <p:attrName>style.visibility</p:attrName>
+                                        </p:attrNameLst>
+                                      </p:cBhvr>
+                                      <p:to>
+                                        <p:strVal val="hidden"/>
+                                      </p:to>
+                                    </p:set>
+                                  </p:childTnLst>
+                                </p:cTn>
+                              </p:par>
+                            </p:childTnLst>
+                          </p:cTn>
+                        </p:par>
+                        <p:par>
+                          <p:cTn id="19" fill="hold">
+                            <p:stCondLst>
+                              <p:cond delay="30000"/>
+                            </p:stCondLst>
+                            <p:childTnLst>
+                              <p:par>
+                                <p:cTn id="20" presetID="1" presetClass="entr" presetSubtype="0" fill="hold" nodeType="afterEffect">
+                                  <p:stCondLst>
+                                    <p:cond delay="10000"/>
+                                  </p:stCondLst>
+                                  <p:childTnLst>
+                                    <p:set>
+                                      <p:cBhvr>
+                                        <p:cTn id="21" dur="1" fill="hold">
+                                          <p:stCondLst>
+                                            <p:cond delay="0"/>
+                                          </p:stCondLst>
+                                        </p:cTn>
+                                        <p:tgtEl>
+                                          <p:spTgt spid="5"/>
+                                        </p:tgtEl>
+                                        <p:attrNameLst>
+                                          <p:attrName>style.visibility</p:attrName>
+                                        </p:attrNameLst>
+                                      </p:cBhvr>
+                                      <p:to>
+                                        <p:strVal val="visible"/>
+                                      </p:to>
+                                    </p:set>
+                                  </p:childTnLst>
+                                </p:cTn>
+                              </p:par>
+                            </p:childTnLst>
+                          </p:cTn>
+                        </p:par>
+                        <p:par>
+                          <p:cTn id="22" fill="hold">
+                            <p:stCondLst>
+                              <p:cond delay="40000"/>
+                            </p:stCondLst>
+                            <p:childTnLst>
+                              <p:par>
+                                <p:cTn id="23" presetID="1" presetClass="entr" presetSubtype="0" fill="hold" nodeType="afterEffect">
+                                  <p:stCondLst>
+                                    <p:cond delay="10000"/>
+                                  </p:stCondLst>
+                                  <p:childTnLst>
+                                    <p:set>
+                                      <p:cBhvr>
+                                        <p:cTn id="24" dur="1" fill="hold">
+                                          <p:stCondLst>
+                                            <p:cond delay="0"/>
+                                          </p:stCondLst>
+                                        </p:cTn>
+                                        <p:tgtEl>
+                                          <p:spTgt spid="11"/>
+                                        </p:tgtEl>
+                                        <p:attrNameLst>
+                                          <p:attrName>style.visibility</p:attrName>
+                                        </p:attrNameLst>
+                                      </p:cBhvr>
+                                      <p:to>
+                                        <p:strVal val="visible"/>
+                                      </p:to>
+                                    </p:set>
+                                  </p:childTnLst>
+                                </p:cTn>
+                              </p:par>
+                            </p:childTnLst>
+                          </p:cTn>
+                        </p:par>
+                        <p:par>
+                          <p:cTn id="25" fill="hold">
+                            <p:stCondLst>
+                              <p:cond delay="50000"/>
+                            </p:stCondLst>
+                            <p:childTnLst>
+                              <p:par>
+                                <p:cTn id="26" presetID="1" presetClass="entr" presetSubtype="0" fill="hold" nodeType="afterEffect">
+                                  <p:stCondLst>
+                                    <p:cond delay="10000"/>
+                                  </p:stCondLst>
+                                  <p:childTnLst>
+                                    <p:set>
+                                      <p:cBhvr>
+                                        <p:cTn id="27" dur="1" fill="hold">
+                                          <p:stCondLst>
+                                            <p:cond delay="0"/>
+                                          </p:stCondLst>
+                                        </p:cTn>
+                                        <p:tgtEl>
+                                          <p:spTgt spid="6">
+                                            <p:txEl>
+                                              <p:pRg st="4" end="4"/>
+                                            </p:txEl>
+                                          </p:spTgt>
+                                        </p:tgtEl>
+                                        <p:attrNameLst>
+                                          <p:attrName>style.visibility</p:attrName>
+                                        </p:attrNameLst>
+                                      </p:cBhvr>
+                                      <p:to>
+                                        <p:strVal val="visible"/>
+                                      </p:to>
+                                    </p:set>
+                                  </p:childTnLst>
+                                </p:cTn>
+                              </p:par>
+                            </p:childTnLst>
+                          </p:cTn>
+                        </p:par>
+                        <p:par>
+                          <p:cTn id="28" fill="hold">
+                            <p:stCondLst>
+                              <p:cond delay="60000"/>
+                            </p:stCondLst>
+                            <p:childTnLst>
+                              <p:par>
+                                <p:cTn id="29" presetID="1" presetClass="exit" presetSubtype="0" fill="hold" nodeType="afterEffect">
+                                  <p:stCondLst>
+                                    <p:cond delay="0"/>
+                                  </p:stCondLst>
+                                  <p:childTnLst>
+                                    <p:set>
+                                      <p:cBhvr>
+                                        <p:cTn id="30" dur="1" fill="hold">
+                                          <p:stCondLst>
+                                            <p:cond delay="0"/>
+                                          </p:stCondLst>
+                                        </p:cTn>
+                                        <p:tgtEl>
+                                          <p:spTgt spid="5"/>
+                                        </p:tgtEl>
+                                        <p:attrNameLst>
+                                          <p:attrName>style.visibility</p:attrName>
+                                        </p:attrNameLst>
+                                      </p:cBhvr>
+                                      <p:to>
+                                        <p:strVal val="hidden"/>
+                                      </p:to>
+                                    </p:set>
+                                  </p:childTnLst>
+                                </p:cTn>
+                              </p:par>
+                            </p:childTnLst>
+                          </p:cTn>
+                        </p:par>
+                        <p:par>
+                          <p:cTn id="31" fill="hold">
+                            <p:stCondLst>
+                              <p:cond delay="60000"/>
+                            </p:stCondLst>
+                            <p:childTnLst>
+                              <p:par>
+                                <p:cTn id="32" presetID="1" presetClass="exit" presetSubtype="0" fill="hold" nodeType="afterEffect">
+                                  <p:stCondLst>
+                                    <p:cond delay="0"/>
+                                  </p:stCondLst>
+                                  <p:childTnLst>
+                                    <p:set>
+                                      <p:cBhvr>
+                                        <p:cTn id="33" dur="1" fill="hold">
+                                          <p:stCondLst>
+                                            <p:cond delay="0"/>
+                                          </p:stCondLst>
+                                        </p:cTn>
+                                        <p:tgtEl>
+                                          <p:spTgt spid="11"/>
+                                        </p:tgtEl>
+                                        <p:attrNameLst>
+                                          <p:attrName>style.visibility</p:attrName>
+                                        </p:attrNameLst>
+                                      </p:cBhvr>
+                                      <p:to>
+                                        <p:strVal val="hidden"/>
+                                      </p:to>
+                                    </p:set>
+                                  </p:childTnLst>
+                                </p:cTn>
+                              </p:par>
+                            </p:childTnLst>
+                          </p:cTn>
+                        </p:par>
+                      </p:childTnLst>
+                    </p:cTn>
+                  </p:par>
+                </p:childTnLst>
+              </p:cTn>
+              <p:prevCondLst>
+                <p:cond evt="onPrev" delay="0">
+                  <p:tgtEl>
+                    <p:sldTgt/>
+                  </p:tgtEl>
+                </p:cond>
+              </p:prevCondLst>
+              <p:nextCondLst>
+                <p:cond evt="onNext" delay="0">
+                  <p:tgtEl>
+                    <p:sldTgt/>
+                  </p:tgtEl>
+                </p:cond>
+              </p:nextCondLst>
+            </p:seq>
+          </p:childTnLst>
+        </p:cTn>
+      </p:par>
+    </p:tnLst>
+  </p:timing>
 </p:sld>
 </file>
 
